--- a/models/Bocetos mbed-l432kc.pptx
+++ b/models/Bocetos mbed-l432kc.pptx
@@ -3679,14 +3679,7 @@
                 <a:latin typeface="Consolas" panose="020B0609020204030204" pitchFamily="49" charset="0"/>
                 <a:cs typeface="Consolas" panose="020B0609020204030204" pitchFamily="49" charset="0"/>
               </a:rPr>
-              <a:t> = </a:t>
-            </a:r>
-            <a:r>
-              <a:rPr lang="es-ES" sz="900" dirty="0" smtClean="0">
-                <a:latin typeface="Consolas" panose="020B0609020204030204" pitchFamily="49" charset="0"/>
-                <a:cs typeface="Consolas" panose="020B0609020204030204" pitchFamily="49" charset="0"/>
-              </a:rPr>
-              <a:t>xrinst/rgbgame</a:t>
+              <a:t> = xrinst/rgbgame</a:t>
             </a:r>
           </a:p>
           <a:p>
@@ -3838,14 +3831,7 @@
                 <a:latin typeface="Consolas" panose="020B0609020204030204" pitchFamily="49" charset="0"/>
                 <a:cs typeface="Consolas" panose="020B0609020204030204" pitchFamily="49" charset="0"/>
               </a:rPr>
-              <a:t>/+/</a:t>
-            </a:r>
-            <a:r>
-              <a:rPr lang="es-ES" sz="900" dirty="0" smtClean="0">
-                <a:latin typeface="Consolas" panose="020B0609020204030204" pitchFamily="49" charset="0"/>
-                <a:cs typeface="Consolas" panose="020B0609020204030204" pitchFamily="49" charset="0"/>
-              </a:rPr>
-              <a:t>cmd</a:t>
+              <a:t>/+/cmd</a:t>
             </a:r>
           </a:p>
           <a:p>
@@ -3986,14 +3972,7 @@
                 <a:latin typeface="Consolas" panose="020B0609020204030204" pitchFamily="49" charset="0"/>
                 <a:cs typeface="Consolas" panose="020B0609020204030204" pitchFamily="49" charset="0"/>
               </a:rPr>
-              <a:t>/+/</a:t>
-            </a:r>
-            <a:r>
-              <a:rPr lang="es-ES" sz="900" dirty="0" smtClean="0">
-                <a:latin typeface="Consolas" panose="020B0609020204030204" pitchFamily="49" charset="0"/>
-                <a:cs typeface="Consolas" panose="020B0609020204030204" pitchFamily="49" charset="0"/>
-              </a:rPr>
-              <a:t>cmd</a:t>
+              <a:t>/+/cmd</a:t>
             </a:r>
           </a:p>
           <a:p>
@@ -4007,13 +3986,6 @@
               </a:rPr>
               <a:t>$T</a:t>
             </a:r>
-            <a:endParaRPr lang="es-ES" sz="900" b="1" dirty="0">
-              <a:solidFill>
-                <a:srgbClr val="FF0000"/>
-              </a:solidFill>
-              <a:latin typeface="Consolas" panose="020B0609020204030204" pitchFamily="49" charset="0"/>
-              <a:cs typeface="Consolas" panose="020B0609020204030204" pitchFamily="49" charset="0"/>
-            </a:endParaRPr>
           </a:p>
         </p:txBody>
       </p:sp>
@@ -4180,14 +4152,7 @@
                 <a:latin typeface="Consolas" panose="020B0609020204030204" pitchFamily="49" charset="0"/>
                 <a:cs typeface="Consolas" panose="020B0609020204030204" pitchFamily="49" charset="0"/>
               </a:rPr>
-              <a:t> </a:t>
-            </a:r>
-            <a:r>
-              <a:rPr lang="es-ES" sz="900" dirty="0" smtClean="0">
-                <a:latin typeface="Consolas" panose="020B0609020204030204" pitchFamily="49" charset="0"/>
-                <a:cs typeface="Consolas" panose="020B0609020204030204" pitchFamily="49" charset="0"/>
-              </a:rPr>
-              <a:t>= xrinst/rgbgame/game</a:t>
+              <a:t> = xrinst/rgbgame/game</a:t>
             </a:r>
           </a:p>
           <a:p>
@@ -4245,31 +4210,14 @@
                 <a:latin typeface="Consolas" panose="020B0609020204030204" pitchFamily="49" charset="0"/>
                 <a:cs typeface="Consolas" panose="020B0609020204030204" pitchFamily="49" charset="0"/>
               </a:rPr>
-              <a:t>$</a:t>
-            </a:r>
-            <a:r>
-              <a:rPr lang="es-ES" sz="900" b="1" dirty="0" smtClean="0">
-                <a:solidFill>
-                  <a:srgbClr val="FF0000"/>
-                </a:solidFill>
-                <a:latin typeface="Consolas" panose="020B0609020204030204" pitchFamily="49" charset="0"/>
-                <a:cs typeface="Consolas" panose="020B0609020204030204" pitchFamily="49" charset="0"/>
-              </a:rPr>
-              <a:t>L</a:t>
+              <a:t>$L</a:t>
             </a:r>
             <a:r>
               <a:rPr lang="es-ES" sz="900" dirty="0" smtClean="0">
                 <a:latin typeface="Consolas" panose="020B0609020204030204" pitchFamily="49" charset="0"/>
                 <a:cs typeface="Consolas" panose="020B0609020204030204" pitchFamily="49" charset="0"/>
               </a:rPr>
-              <a:t> </a:t>
-            </a:r>
-            <a:r>
-              <a:rPr lang="es-ES" sz="900" dirty="0" smtClean="0">
-                <a:latin typeface="Consolas" panose="020B0609020204030204" pitchFamily="49" charset="0"/>
-                <a:cs typeface="Consolas" panose="020B0609020204030204" pitchFamily="49" charset="0"/>
-              </a:rPr>
-              <a:t>= sys/touch</a:t>
+              <a:t> = sys/touch</a:t>
             </a:r>
           </a:p>
         </p:txBody>
@@ -4484,8 +4432,8 @@
         </p:nvSpPr>
         <p:spPr>
           <a:xfrm>
-            <a:off x="3759494" y="3057946"/>
-            <a:ext cx="1210588" cy="230832"/>
+            <a:off x="3893192" y="3067993"/>
+            <a:ext cx="1018227" cy="230832"/>
           </a:xfrm>
           <a:prstGeom prst="rect">
             <a:avLst/>
@@ -4499,28 +4447,18 @@
           <a:lstStyle/>
           <a:p>
             <a:r>
-              <a:rPr lang="es-ES" sz="900" b="1" dirty="0">
-                <a:solidFill>
-                  <a:srgbClr val="FF0000"/>
-                </a:solidFill>
-                <a:latin typeface="Consolas" panose="020B0609020204030204" pitchFamily="49" charset="0"/>
-                <a:cs typeface="Consolas" panose="020B0609020204030204" pitchFamily="49" charset="0"/>
-              </a:rPr>
-              <a:t>$R</a:t>
-            </a:r>
-            <a:r>
-              <a:rPr lang="es-ES" sz="900" dirty="0">
-                <a:latin typeface="Consolas" panose="020B0609020204030204" pitchFamily="49" charset="0"/>
-                <a:cs typeface="Consolas" panose="020B0609020204030204" pitchFamily="49" charset="0"/>
-              </a:rPr>
-              <a:t>/</a:t>
-            </a:r>
-            <a:r>
               <a:rPr lang="es-ES" sz="900" dirty="0" smtClean="0">
                 <a:latin typeface="Consolas" panose="020B0609020204030204" pitchFamily="49" charset="0"/>
                 <a:cs typeface="Consolas" panose="020B0609020204030204" pitchFamily="49" charset="0"/>
               </a:rPr>
-              <a:t>$mod/$par/cmd</a:t>
+              <a:t>$</a:t>
+            </a:r>
+            <a:r>
+              <a:rPr lang="es-ES" sz="900" dirty="0" smtClean="0">
+                <a:latin typeface="Consolas" panose="020B0609020204030204" pitchFamily="49" charset="0"/>
+                <a:cs typeface="Consolas" panose="020B0609020204030204" pitchFamily="49" charset="0"/>
+              </a:rPr>
+              <a:t>mod/$par/cmd</a:t>
             </a:r>
           </a:p>
         </p:txBody>
@@ -5585,14 +5523,7 @@
                 <a:latin typeface="Consolas" panose="020B0609020204030204" pitchFamily="49" charset="0"/>
                 <a:cs typeface="Consolas" panose="020B0609020204030204" pitchFamily="49" charset="0"/>
               </a:rPr>
-              <a:t> = </a:t>
-            </a:r>
-            <a:r>
-              <a:rPr lang="es-ES" sz="900" dirty="0" smtClean="0">
-                <a:latin typeface="Consolas" panose="020B0609020204030204" pitchFamily="49" charset="0"/>
-                <a:cs typeface="Consolas" panose="020B0609020204030204" pitchFamily="49" charset="0"/>
-              </a:rPr>
-              <a:t>xrinst/rgbgame</a:t>
+              <a:t> = xrinst/rgbgame</a:t>
             </a:r>
           </a:p>
           <a:p>
@@ -5744,14 +5675,7 @@
                 <a:latin typeface="Consolas" panose="020B0609020204030204" pitchFamily="49" charset="0"/>
                 <a:cs typeface="Consolas" panose="020B0609020204030204" pitchFamily="49" charset="0"/>
               </a:rPr>
-              <a:t>/+/</a:t>
-            </a:r>
-            <a:r>
-              <a:rPr lang="es-ES" sz="900" dirty="0" smtClean="0">
-                <a:latin typeface="Consolas" panose="020B0609020204030204" pitchFamily="49" charset="0"/>
-                <a:cs typeface="Consolas" panose="020B0609020204030204" pitchFamily="49" charset="0"/>
-              </a:rPr>
-              <a:t>cmd</a:t>
+              <a:t>/+/cmd</a:t>
             </a:r>
           </a:p>
           <a:p>
@@ -6011,31 +5935,14 @@
                 <a:latin typeface="Consolas" panose="020B0609020204030204" pitchFamily="49" charset="0"/>
                 <a:cs typeface="Consolas" panose="020B0609020204030204" pitchFamily="49" charset="0"/>
               </a:rPr>
-              <a:t>$</a:t>
-            </a:r>
-            <a:r>
-              <a:rPr lang="es-ES" sz="900" b="1" dirty="0" smtClean="0">
-                <a:solidFill>
-                  <a:srgbClr val="FF0000"/>
-                </a:solidFill>
-                <a:latin typeface="Consolas" panose="020B0609020204030204" pitchFamily="49" charset="0"/>
-                <a:cs typeface="Consolas" panose="020B0609020204030204" pitchFamily="49" charset="0"/>
-              </a:rPr>
-              <a:t>L</a:t>
+              <a:t>$L</a:t>
             </a:r>
             <a:r>
               <a:rPr lang="es-ES" sz="900" dirty="0" smtClean="0">
                 <a:latin typeface="Consolas" panose="020B0609020204030204" pitchFamily="49" charset="0"/>
                 <a:cs typeface="Consolas" panose="020B0609020204030204" pitchFamily="49" charset="0"/>
               </a:rPr>
-              <a:t> </a:t>
-            </a:r>
-            <a:r>
-              <a:rPr lang="es-ES" sz="900" dirty="0" smtClean="0">
-                <a:latin typeface="Consolas" panose="020B0609020204030204" pitchFamily="49" charset="0"/>
-                <a:cs typeface="Consolas" panose="020B0609020204030204" pitchFamily="49" charset="0"/>
-              </a:rPr>
-              <a:t>= sys/touch</a:t>
+              <a:t> = sys/touch</a:t>
             </a:r>
           </a:p>
         </p:txBody>
@@ -6242,55 +6149,6 @@
           </a:fontRef>
         </p:style>
       </p:cxnSp>
-      <p:sp>
-        <p:nvSpPr>
-          <p:cNvPr id="52" name="51 CuadroTexto"/>
-          <p:cNvSpPr txBox="1"/>
-          <p:nvPr/>
-        </p:nvSpPr>
-        <p:spPr>
-          <a:xfrm>
-            <a:off x="3784214" y="3071488"/>
-            <a:ext cx="1210588" cy="230832"/>
-          </a:xfrm>
-          <a:prstGeom prst="rect">
-            <a:avLst/>
-          </a:prstGeom>
-          <a:noFill/>
-        </p:spPr>
-        <p:txBody>
-          <a:bodyPr wrap="none" rtlCol="0">
-            <a:spAutoFit/>
-          </a:bodyPr>
-          <a:lstStyle/>
-          <a:p>
-            <a:r>
-              <a:rPr lang="es-ES" sz="900" b="1" dirty="0">
-                <a:solidFill>
-                  <a:srgbClr val="FF0000"/>
-                </a:solidFill>
-                <a:latin typeface="Consolas" panose="020B0609020204030204" pitchFamily="49" charset="0"/>
-                <a:cs typeface="Consolas" panose="020B0609020204030204" pitchFamily="49" charset="0"/>
-              </a:rPr>
-              <a:t>$R</a:t>
-            </a:r>
-            <a:r>
-              <a:rPr lang="es-ES" sz="900" dirty="0">
-                <a:latin typeface="Consolas" panose="020B0609020204030204" pitchFamily="49" charset="0"/>
-                <a:cs typeface="Consolas" panose="020B0609020204030204" pitchFamily="49" charset="0"/>
-              </a:rPr>
-              <a:t>/</a:t>
-            </a:r>
-            <a:r>
-              <a:rPr lang="es-ES" sz="900" dirty="0" smtClean="0">
-                <a:latin typeface="Consolas" panose="020B0609020204030204" pitchFamily="49" charset="0"/>
-                <a:cs typeface="Consolas" panose="020B0609020204030204" pitchFamily="49" charset="0"/>
-              </a:rPr>
-              <a:t>$mod/$par/cmd</a:t>
-            </a:r>
-          </a:p>
-        </p:txBody>
-      </p:sp>
       <p:sp>
         <p:nvSpPr>
           <p:cNvPr id="53" name="52 CuadroTexto"/>
@@ -6797,20 +6655,7 @@
                 <a:latin typeface="Consolas" panose="020B0609020204030204" pitchFamily="49" charset="0"/>
                 <a:cs typeface="Consolas" panose="020B0609020204030204" pitchFamily="49" charset="0"/>
               </a:rPr>
-              <a:t>/+/</a:t>
-            </a:r>
-            <a:r>
-              <a:rPr lang="es-ES" sz="900" dirty="0" smtClean="0">
-                <a:solidFill>
-                  <a:schemeClr val="accent2">
-                    <a:lumMod val="60000"/>
-                    <a:lumOff val="40000"/>
-                  </a:schemeClr>
-                </a:solidFill>
-                <a:latin typeface="Consolas" panose="020B0609020204030204" pitchFamily="49" charset="0"/>
-                <a:cs typeface="Consolas" panose="020B0609020204030204" pitchFamily="49" charset="0"/>
-              </a:rPr>
-              <a:t>cmd</a:t>
+              <a:t>/+/cmd</a:t>
             </a:r>
           </a:p>
           <a:p>
@@ -6824,13 +6669,6 @@
               </a:rPr>
               <a:t>$T</a:t>
             </a:r>
-            <a:endParaRPr lang="es-ES" sz="900" b="1" dirty="0">
-              <a:solidFill>
-                <a:srgbClr val="FF0000"/>
-              </a:solidFill>
-              <a:latin typeface="Consolas" panose="020B0609020204030204" pitchFamily="49" charset="0"/>
-              <a:cs typeface="Consolas" panose="020B0609020204030204" pitchFamily="49" charset="0"/>
-            </a:endParaRPr>
           </a:p>
         </p:txBody>
       </p:sp>
@@ -6871,14 +6709,7 @@
                 <a:latin typeface="Consolas" panose="020B0609020204030204" pitchFamily="49" charset="0"/>
                 <a:cs typeface="Consolas" panose="020B0609020204030204" pitchFamily="49" charset="0"/>
               </a:rPr>
-              <a:t> </a:t>
-            </a:r>
-            <a:r>
-              <a:rPr lang="es-ES" sz="900" dirty="0" smtClean="0">
-                <a:latin typeface="Consolas" panose="020B0609020204030204" pitchFamily="49" charset="0"/>
-                <a:cs typeface="Consolas" panose="020B0609020204030204" pitchFamily="49" charset="0"/>
-              </a:rPr>
-              <a:t>= xrinst/rgbgame/game</a:t>
+              <a:t> = xrinst/rgbgame/game</a:t>
             </a:r>
           </a:p>
           <a:p>
@@ -7005,6 +6836,45 @@
           </a:fontRef>
         </p:style>
       </p:cxnSp>
+      <p:sp>
+        <p:nvSpPr>
+          <p:cNvPr id="45" name="44 CuadroTexto"/>
+          <p:cNvSpPr txBox="1"/>
+          <p:nvPr/>
+        </p:nvSpPr>
+        <p:spPr>
+          <a:xfrm>
+            <a:off x="3893192" y="3067993"/>
+            <a:ext cx="1018227" cy="230832"/>
+          </a:xfrm>
+          <a:prstGeom prst="rect">
+            <a:avLst/>
+          </a:prstGeom>
+          <a:noFill/>
+        </p:spPr>
+        <p:txBody>
+          <a:bodyPr wrap="none" rtlCol="0">
+            <a:spAutoFit/>
+          </a:bodyPr>
+          <a:lstStyle/>
+          <a:p>
+            <a:r>
+              <a:rPr lang="es-ES" sz="900" dirty="0" smtClean="0">
+                <a:latin typeface="Consolas" panose="020B0609020204030204" pitchFamily="49" charset="0"/>
+                <a:cs typeface="Consolas" panose="020B0609020204030204" pitchFamily="49" charset="0"/>
+              </a:rPr>
+              <a:t>$</a:t>
+            </a:r>
+            <a:r>
+              <a:rPr lang="es-ES" sz="900" dirty="0" smtClean="0">
+                <a:latin typeface="Consolas" panose="020B0609020204030204" pitchFamily="49" charset="0"/>
+                <a:cs typeface="Consolas" panose="020B0609020204030204" pitchFamily="49" charset="0"/>
+              </a:rPr>
+              <a:t>mod/$par/cmd</a:t>
+            </a:r>
+          </a:p>
+        </p:txBody>
+      </p:sp>
     </p:spTree>
     <p:extLst>
       <p:ext uri="{BB962C8B-B14F-4D97-AF65-F5344CB8AC3E}">
@@ -7616,14 +7486,7 @@
                 <a:latin typeface="Consolas" panose="020B0609020204030204" pitchFamily="49" charset="0"/>
                 <a:cs typeface="Consolas" panose="020B0609020204030204" pitchFamily="49" charset="0"/>
               </a:rPr>
-              <a:t> = </a:t>
-            </a:r>
-            <a:r>
-              <a:rPr lang="es-ES" sz="900" dirty="0" smtClean="0">
-                <a:latin typeface="Consolas" panose="020B0609020204030204" pitchFamily="49" charset="0"/>
-                <a:cs typeface="Consolas" panose="020B0609020204030204" pitchFamily="49" charset="0"/>
-              </a:rPr>
-              <a:t>xrinst/rgbgame</a:t>
+              <a:t> = xrinst/rgbgame</a:t>
             </a:r>
           </a:p>
           <a:p>
@@ -7784,20 +7647,7 @@
                 <a:latin typeface="Consolas" panose="020B0609020204030204" pitchFamily="49" charset="0"/>
                 <a:cs typeface="Consolas" panose="020B0609020204030204" pitchFamily="49" charset="0"/>
               </a:rPr>
-              <a:t>/+/</a:t>
-            </a:r>
-            <a:r>
-              <a:rPr lang="es-ES" sz="900" dirty="0" smtClean="0">
-                <a:solidFill>
-                  <a:schemeClr val="accent2">
-                    <a:lumMod val="60000"/>
-                    <a:lumOff val="40000"/>
-                  </a:schemeClr>
-                </a:solidFill>
-                <a:latin typeface="Consolas" panose="020B0609020204030204" pitchFamily="49" charset="0"/>
-                <a:cs typeface="Consolas" panose="020B0609020204030204" pitchFamily="49" charset="0"/>
-              </a:rPr>
-              <a:t>cmd</a:t>
+              <a:t>/+/cmd</a:t>
             </a:r>
           </a:p>
           <a:p>
@@ -8057,31 +7907,14 @@
                 <a:latin typeface="Consolas" panose="020B0609020204030204" pitchFamily="49" charset="0"/>
                 <a:cs typeface="Consolas" panose="020B0609020204030204" pitchFamily="49" charset="0"/>
               </a:rPr>
-              <a:t>$</a:t>
-            </a:r>
-            <a:r>
-              <a:rPr lang="es-ES" sz="900" b="1" dirty="0" smtClean="0">
-                <a:solidFill>
-                  <a:srgbClr val="FF0000"/>
-                </a:solidFill>
-                <a:latin typeface="Consolas" panose="020B0609020204030204" pitchFamily="49" charset="0"/>
-                <a:cs typeface="Consolas" panose="020B0609020204030204" pitchFamily="49" charset="0"/>
-              </a:rPr>
-              <a:t>L</a:t>
+              <a:t>$L</a:t>
             </a:r>
             <a:r>
               <a:rPr lang="es-ES" sz="900" dirty="0" smtClean="0">
                 <a:latin typeface="Consolas" panose="020B0609020204030204" pitchFamily="49" charset="0"/>
                 <a:cs typeface="Consolas" panose="020B0609020204030204" pitchFamily="49" charset="0"/>
               </a:rPr>
-              <a:t> </a:t>
-            </a:r>
-            <a:r>
-              <a:rPr lang="es-ES" sz="900" dirty="0" smtClean="0">
-                <a:latin typeface="Consolas" panose="020B0609020204030204" pitchFamily="49" charset="0"/>
-                <a:cs typeface="Consolas" panose="020B0609020204030204" pitchFamily="49" charset="0"/>
-              </a:rPr>
-              <a:t>= sys/touch</a:t>
+              <a:t> = sys/touch</a:t>
             </a:r>
           </a:p>
         </p:txBody>
@@ -8288,55 +8121,6 @@
           </a:fontRef>
         </p:style>
       </p:cxnSp>
-      <p:sp>
-        <p:nvSpPr>
-          <p:cNvPr id="52" name="51 CuadroTexto"/>
-          <p:cNvSpPr txBox="1"/>
-          <p:nvPr/>
-        </p:nvSpPr>
-        <p:spPr>
-          <a:xfrm>
-            <a:off x="3784214" y="3071488"/>
-            <a:ext cx="1210588" cy="230832"/>
-          </a:xfrm>
-          <a:prstGeom prst="rect">
-            <a:avLst/>
-          </a:prstGeom>
-          <a:noFill/>
-        </p:spPr>
-        <p:txBody>
-          <a:bodyPr wrap="none" rtlCol="0">
-            <a:spAutoFit/>
-          </a:bodyPr>
-          <a:lstStyle/>
-          <a:p>
-            <a:r>
-              <a:rPr lang="es-ES" sz="900" b="1" dirty="0">
-                <a:solidFill>
-                  <a:srgbClr val="FF0000"/>
-                </a:solidFill>
-                <a:latin typeface="Consolas" panose="020B0609020204030204" pitchFamily="49" charset="0"/>
-                <a:cs typeface="Consolas" panose="020B0609020204030204" pitchFamily="49" charset="0"/>
-              </a:rPr>
-              <a:t>$R</a:t>
-            </a:r>
-            <a:r>
-              <a:rPr lang="es-ES" sz="900" dirty="0">
-                <a:latin typeface="Consolas" panose="020B0609020204030204" pitchFamily="49" charset="0"/>
-                <a:cs typeface="Consolas" panose="020B0609020204030204" pitchFamily="49" charset="0"/>
-              </a:rPr>
-              <a:t>/</a:t>
-            </a:r>
-            <a:r>
-              <a:rPr lang="es-ES" sz="900" dirty="0" smtClean="0">
-                <a:latin typeface="Consolas" panose="020B0609020204030204" pitchFamily="49" charset="0"/>
-                <a:cs typeface="Consolas" panose="020B0609020204030204" pitchFamily="49" charset="0"/>
-              </a:rPr>
-              <a:t>$mod/$par/cmd</a:t>
-            </a:r>
-          </a:p>
-        </p:txBody>
-      </p:sp>
       <p:sp>
         <p:nvSpPr>
           <p:cNvPr id="53" name="52 CuadroTexto"/>
@@ -8843,20 +8627,7 @@
                 <a:latin typeface="Consolas" panose="020B0609020204030204" pitchFamily="49" charset="0"/>
                 <a:cs typeface="Consolas" panose="020B0609020204030204" pitchFamily="49" charset="0"/>
               </a:rPr>
-              <a:t>/+/</a:t>
-            </a:r>
-            <a:r>
-              <a:rPr lang="es-ES" sz="900" dirty="0" smtClean="0">
-                <a:solidFill>
-                  <a:schemeClr val="accent2">
-                    <a:lumMod val="60000"/>
-                    <a:lumOff val="40000"/>
-                  </a:schemeClr>
-                </a:solidFill>
-                <a:latin typeface="Consolas" panose="020B0609020204030204" pitchFamily="49" charset="0"/>
-                <a:cs typeface="Consolas" panose="020B0609020204030204" pitchFamily="49" charset="0"/>
-              </a:rPr>
-              <a:t>cmd</a:t>
+              <a:t>/+/cmd</a:t>
             </a:r>
           </a:p>
           <a:p>
@@ -8870,13 +8641,6 @@
               </a:rPr>
               <a:t>$T</a:t>
             </a:r>
-            <a:endParaRPr lang="es-ES" sz="900" b="1" dirty="0">
-              <a:solidFill>
-                <a:srgbClr val="FF0000"/>
-              </a:solidFill>
-              <a:latin typeface="Consolas" panose="020B0609020204030204" pitchFamily="49" charset="0"/>
-              <a:cs typeface="Consolas" panose="020B0609020204030204" pitchFamily="49" charset="0"/>
-            </a:endParaRPr>
           </a:p>
         </p:txBody>
       </p:sp>
@@ -8917,14 +8681,7 @@
                 <a:latin typeface="Consolas" panose="020B0609020204030204" pitchFamily="49" charset="0"/>
                 <a:cs typeface="Consolas" panose="020B0609020204030204" pitchFamily="49" charset="0"/>
               </a:rPr>
-              <a:t> </a:t>
-            </a:r>
-            <a:r>
-              <a:rPr lang="es-ES" sz="900" dirty="0" smtClean="0">
-                <a:latin typeface="Consolas" panose="020B0609020204030204" pitchFamily="49" charset="0"/>
-                <a:cs typeface="Consolas" panose="020B0609020204030204" pitchFamily="49" charset="0"/>
-              </a:rPr>
-              <a:t>= xrinst/rgbgame/game</a:t>
+              <a:t> = xrinst/rgbgame/game</a:t>
             </a:r>
           </a:p>
           <a:p>
@@ -9161,6 +8918,45 @@
           </a:fontRef>
         </p:style>
       </p:cxnSp>
+      <p:sp>
+        <p:nvSpPr>
+          <p:cNvPr id="70" name="69 CuadroTexto"/>
+          <p:cNvSpPr txBox="1"/>
+          <p:nvPr/>
+        </p:nvSpPr>
+        <p:spPr>
+          <a:xfrm>
+            <a:off x="3893192" y="3067993"/>
+            <a:ext cx="1018227" cy="230832"/>
+          </a:xfrm>
+          <a:prstGeom prst="rect">
+            <a:avLst/>
+          </a:prstGeom>
+          <a:noFill/>
+        </p:spPr>
+        <p:txBody>
+          <a:bodyPr wrap="none" rtlCol="0">
+            <a:spAutoFit/>
+          </a:bodyPr>
+          <a:lstStyle/>
+          <a:p>
+            <a:r>
+              <a:rPr lang="es-ES" sz="900" dirty="0" smtClean="0">
+                <a:latin typeface="Consolas" panose="020B0609020204030204" pitchFamily="49" charset="0"/>
+                <a:cs typeface="Consolas" panose="020B0609020204030204" pitchFamily="49" charset="0"/>
+              </a:rPr>
+              <a:t>$</a:t>
+            </a:r>
+            <a:r>
+              <a:rPr lang="es-ES" sz="900" dirty="0" smtClean="0">
+                <a:latin typeface="Consolas" panose="020B0609020204030204" pitchFamily="49" charset="0"/>
+                <a:cs typeface="Consolas" panose="020B0609020204030204" pitchFamily="49" charset="0"/>
+              </a:rPr>
+              <a:t>mod/$par/cmd</a:t>
+            </a:r>
+          </a:p>
+        </p:txBody>
+      </p:sp>
     </p:spTree>
     <p:extLst>
       <p:ext uri="{BB962C8B-B14F-4D97-AF65-F5344CB8AC3E}">
@@ -9772,14 +9568,7 @@
                 <a:latin typeface="Consolas" panose="020B0609020204030204" pitchFamily="49" charset="0"/>
                 <a:cs typeface="Consolas" panose="020B0609020204030204" pitchFamily="49" charset="0"/>
               </a:rPr>
-              <a:t> = </a:t>
-            </a:r>
-            <a:r>
-              <a:rPr lang="es-ES" sz="900" dirty="0" smtClean="0">
-                <a:latin typeface="Consolas" panose="020B0609020204030204" pitchFamily="49" charset="0"/>
-                <a:cs typeface="Consolas" panose="020B0609020204030204" pitchFamily="49" charset="0"/>
-              </a:rPr>
-              <a:t>xrinst/rgbgame</a:t>
+              <a:t> = xrinst/rgbgame</a:t>
             </a:r>
           </a:p>
           <a:p>
@@ -9931,14 +9720,7 @@
                 <a:latin typeface="Consolas" panose="020B0609020204030204" pitchFamily="49" charset="0"/>
                 <a:cs typeface="Consolas" panose="020B0609020204030204" pitchFamily="49" charset="0"/>
               </a:rPr>
-              <a:t>/+/</a:t>
-            </a:r>
-            <a:r>
-              <a:rPr lang="es-ES" sz="900" dirty="0" smtClean="0">
-                <a:latin typeface="Consolas" panose="020B0609020204030204" pitchFamily="49" charset="0"/>
-                <a:cs typeface="Consolas" panose="020B0609020204030204" pitchFamily="49" charset="0"/>
-              </a:rPr>
-              <a:t>cmd</a:t>
+              <a:t>/+/cmd</a:t>
             </a:r>
           </a:p>
           <a:p>
@@ -10198,31 +9980,14 @@
                 <a:latin typeface="Consolas" panose="020B0609020204030204" pitchFamily="49" charset="0"/>
                 <a:cs typeface="Consolas" panose="020B0609020204030204" pitchFamily="49" charset="0"/>
               </a:rPr>
-              <a:t>$</a:t>
-            </a:r>
-            <a:r>
-              <a:rPr lang="es-ES" sz="900" b="1" dirty="0" smtClean="0">
-                <a:solidFill>
-                  <a:srgbClr val="FF0000"/>
-                </a:solidFill>
-                <a:latin typeface="Consolas" panose="020B0609020204030204" pitchFamily="49" charset="0"/>
-                <a:cs typeface="Consolas" panose="020B0609020204030204" pitchFamily="49" charset="0"/>
-              </a:rPr>
-              <a:t>L</a:t>
+              <a:t>$L</a:t>
             </a:r>
             <a:r>
               <a:rPr lang="es-ES" sz="900" dirty="0" smtClean="0">
                 <a:latin typeface="Consolas" panose="020B0609020204030204" pitchFamily="49" charset="0"/>
                 <a:cs typeface="Consolas" panose="020B0609020204030204" pitchFamily="49" charset="0"/>
               </a:rPr>
-              <a:t> </a:t>
-            </a:r>
-            <a:r>
-              <a:rPr lang="es-ES" sz="900" dirty="0" smtClean="0">
-                <a:latin typeface="Consolas" panose="020B0609020204030204" pitchFamily="49" charset="0"/>
-                <a:cs typeface="Consolas" panose="020B0609020204030204" pitchFamily="49" charset="0"/>
-              </a:rPr>
-              <a:t>= sys/touch</a:t>
+              <a:t> = sys/touch</a:t>
             </a:r>
           </a:p>
         </p:txBody>
@@ -10429,55 +10194,6 @@
           </a:fontRef>
         </p:style>
       </p:cxnSp>
-      <p:sp>
-        <p:nvSpPr>
-          <p:cNvPr id="52" name="51 CuadroTexto"/>
-          <p:cNvSpPr txBox="1"/>
-          <p:nvPr/>
-        </p:nvSpPr>
-        <p:spPr>
-          <a:xfrm>
-            <a:off x="3784214" y="3071488"/>
-            <a:ext cx="1210588" cy="230832"/>
-          </a:xfrm>
-          <a:prstGeom prst="rect">
-            <a:avLst/>
-          </a:prstGeom>
-          <a:noFill/>
-        </p:spPr>
-        <p:txBody>
-          <a:bodyPr wrap="none" rtlCol="0">
-            <a:spAutoFit/>
-          </a:bodyPr>
-          <a:lstStyle/>
-          <a:p>
-            <a:r>
-              <a:rPr lang="es-ES" sz="900" b="1" dirty="0">
-                <a:solidFill>
-                  <a:srgbClr val="FF0000"/>
-                </a:solidFill>
-                <a:latin typeface="Consolas" panose="020B0609020204030204" pitchFamily="49" charset="0"/>
-                <a:cs typeface="Consolas" panose="020B0609020204030204" pitchFamily="49" charset="0"/>
-              </a:rPr>
-              <a:t>$R</a:t>
-            </a:r>
-            <a:r>
-              <a:rPr lang="es-ES" sz="900" dirty="0">
-                <a:latin typeface="Consolas" panose="020B0609020204030204" pitchFamily="49" charset="0"/>
-                <a:cs typeface="Consolas" panose="020B0609020204030204" pitchFamily="49" charset="0"/>
-              </a:rPr>
-              <a:t>/</a:t>
-            </a:r>
-            <a:r>
-              <a:rPr lang="es-ES" sz="900" dirty="0" smtClean="0">
-                <a:latin typeface="Consolas" panose="020B0609020204030204" pitchFamily="49" charset="0"/>
-                <a:cs typeface="Consolas" panose="020B0609020204030204" pitchFamily="49" charset="0"/>
-              </a:rPr>
-              <a:t>$mod/$par/cmd</a:t>
-            </a:r>
-          </a:p>
-        </p:txBody>
-      </p:sp>
       <p:sp>
         <p:nvSpPr>
           <p:cNvPr id="53" name="52 CuadroTexto"/>
@@ -10902,14 +10618,7 @@
                 <a:latin typeface="Consolas" panose="020B0609020204030204" pitchFamily="49" charset="0"/>
                 <a:cs typeface="Consolas" panose="020B0609020204030204" pitchFamily="49" charset="0"/>
               </a:rPr>
-              <a:t> </a:t>
-            </a:r>
-            <a:r>
-              <a:rPr lang="es-ES" sz="900" dirty="0" smtClean="0">
-                <a:latin typeface="Consolas" panose="020B0609020204030204" pitchFamily="49" charset="0"/>
-                <a:cs typeface="Consolas" panose="020B0609020204030204" pitchFamily="49" charset="0"/>
-              </a:rPr>
-              <a:t>= xrinst/rgbgame/game</a:t>
+              <a:t> = xrinst/rgbgame/game</a:t>
             </a:r>
           </a:p>
           <a:p>
@@ -11331,14 +11040,7 @@
                 <a:latin typeface="Consolas" panose="020B0609020204030204" pitchFamily="49" charset="0"/>
                 <a:cs typeface="Consolas" panose="020B0609020204030204" pitchFamily="49" charset="0"/>
               </a:rPr>
-              <a:t>/+/</a:t>
-            </a:r>
-            <a:r>
-              <a:rPr lang="es-ES" sz="900" dirty="0" smtClean="0">
-                <a:latin typeface="Consolas" panose="020B0609020204030204" pitchFamily="49" charset="0"/>
-                <a:cs typeface="Consolas" panose="020B0609020204030204" pitchFamily="49" charset="0"/>
-              </a:rPr>
-              <a:t>cmd</a:t>
+              <a:t>/+/cmd</a:t>
             </a:r>
           </a:p>
           <a:p>
@@ -11355,16 +11057,45 @@
               </a:rPr>
               <a:t>$T</a:t>
             </a:r>
-            <a:endParaRPr lang="es-ES" sz="900" b="1" dirty="0">
-              <a:solidFill>
-                <a:schemeClr val="accent2">
-                  <a:lumMod val="60000"/>
-                  <a:lumOff val="40000"/>
-                </a:schemeClr>
-              </a:solidFill>
-              <a:latin typeface="Consolas" panose="020B0609020204030204" pitchFamily="49" charset="0"/>
-              <a:cs typeface="Consolas" panose="020B0609020204030204" pitchFamily="49" charset="0"/>
-            </a:endParaRPr>
+          </a:p>
+        </p:txBody>
+      </p:sp>
+      <p:sp>
+        <p:nvSpPr>
+          <p:cNvPr id="55" name="54 CuadroTexto"/>
+          <p:cNvSpPr txBox="1"/>
+          <p:nvPr/>
+        </p:nvSpPr>
+        <p:spPr>
+          <a:xfrm>
+            <a:off x="3712688" y="3056638"/>
+            <a:ext cx="1018227" cy="230832"/>
+          </a:xfrm>
+          <a:prstGeom prst="rect">
+            <a:avLst/>
+          </a:prstGeom>
+          <a:noFill/>
+        </p:spPr>
+        <p:txBody>
+          <a:bodyPr wrap="none" rtlCol="0">
+            <a:spAutoFit/>
+          </a:bodyPr>
+          <a:lstStyle/>
+          <a:p>
+            <a:r>
+              <a:rPr lang="es-ES" sz="900" dirty="0" smtClean="0">
+                <a:latin typeface="Consolas" panose="020B0609020204030204" pitchFamily="49" charset="0"/>
+                <a:cs typeface="Consolas" panose="020B0609020204030204" pitchFamily="49" charset="0"/>
+              </a:rPr>
+              <a:t>$</a:t>
+            </a:r>
+            <a:r>
+              <a:rPr lang="es-ES" sz="900" dirty="0" smtClean="0">
+                <a:latin typeface="Consolas" panose="020B0609020204030204" pitchFamily="49" charset="0"/>
+                <a:cs typeface="Consolas" panose="020B0609020204030204" pitchFamily="49" charset="0"/>
+              </a:rPr>
+              <a:t>mod/$par/cmd</a:t>
+            </a:r>
           </a:p>
         </p:txBody>
       </p:sp>
